--- a/archive-05.psych106/08.U2/01.overview/_schedule/PSYC106-CH9IntelligenceTesting-3rdEd.pptx
+++ b/archive-05.psych106/08.U2/01.overview/_schedule/PSYC106-CH9IntelligenceTesting-3rdEd.pptx
@@ -267,7 +267,7 @@
             <a:fld id="{8D8D874E-E9D5-433B-A149-BDF6BFDD40A8}" type="datetimeFigureOut">
               <a:rPr lang="en-US" smtClean="0"/>
               <a:pPr/>
-              <a:t>9/16/2021</a:t>
+              <a:t>6/22/23</a:t>
             </a:fld>
             <a:endParaRPr lang="en-US" dirty="0"/>
           </a:p>
@@ -434,7 +434,7 @@
             <a:fld id="{EA051F04-9E25-42C3-8BC5-EC2E8469D95E}" type="datetimeFigureOut">
               <a:rPr lang="en-US" smtClean="0"/>
               <a:pPr/>
-              <a:t>9/16/2021</a:t>
+              <a:t>6/22/23</a:t>
             </a:fld>
             <a:endParaRPr lang="en-US" dirty="0"/>
           </a:p>
@@ -5774,14 +5774,14 @@
           <a:p>
             <a:pPr defTabSz="457200"/>
             <a:r>
-              <a:rPr lang="en-US" altLang="en-US" dirty="0" smtClean="0">
+              <a:rPr lang="en-US" altLang="en-US" dirty="0">
                 <a:latin typeface="Arial" pitchFamily="34" charset="0"/>
                 <a:ea typeface="ＭＳ Ｐゴシック" pitchFamily="34" charset="-128"/>
               </a:rPr>
               <a:t>1</a:t>
             </a:r>
             <a:r>
-              <a:rPr lang="en-US" altLang="en-US" i="0" dirty="0" smtClean="0">
+              <a:rPr lang="en-US" altLang="en-US" i="0" dirty="0">
                 <a:latin typeface="Arial" pitchFamily="34" charset="0"/>
                 <a:ea typeface="ＭＳ Ｐゴシック" pitchFamily="34" charset="-128"/>
               </a:rPr>
@@ -5791,35 +5791,35 @@
           <a:p>
             <a:pPr defTabSz="457200"/>
             <a:r>
-              <a:rPr lang="en-US" altLang="en-US" dirty="0" smtClean="0">
+              <a:rPr lang="en-US" altLang="en-US" dirty="0">
                 <a:latin typeface="Arial" pitchFamily="34" charset="0"/>
                 <a:ea typeface="ＭＳ Ｐゴシック" pitchFamily="34" charset="-128"/>
               </a:rPr>
               <a:t>	</a:t>
             </a:r>
             <a:r>
-              <a:rPr lang="en-US" altLang="en-US" dirty="0" err="1" smtClean="0">
+              <a:rPr lang="en-US" altLang="en-US" dirty="0" err="1">
                 <a:latin typeface="Arial" pitchFamily="34" charset="0"/>
                 <a:ea typeface="ＭＳ Ｐゴシック" pitchFamily="34" charset="-128"/>
               </a:rPr>
               <a:t>i</a:t>
             </a:r>
             <a:r>
-              <a:rPr lang="en-US" altLang="en-US" dirty="0" smtClean="0">
+              <a:rPr lang="en-US" altLang="en-US" dirty="0">
                 <a:latin typeface="Arial" pitchFamily="34" charset="0"/>
                 <a:ea typeface="ＭＳ Ｐゴシック" pitchFamily="34" charset="-128"/>
               </a:rPr>
               <a:t>) We have to remember that correlation does not equal causation. It is possible that the effects of </a:t>
             </a:r>
             <a:r>
-              <a:rPr lang="en-US" altLang="en-US" i="1" dirty="0" smtClean="0">
+              <a:rPr lang="en-US" altLang="en-US" i="1" dirty="0">
                 <a:latin typeface="Arial" pitchFamily="34" charset="0"/>
                 <a:ea typeface="ＭＳ Ｐゴシック" pitchFamily="34" charset="-128"/>
               </a:rPr>
               <a:t>g </a:t>
             </a:r>
             <a:r>
-              <a:rPr lang="en-US" altLang="en-US" dirty="0" smtClean="0">
+              <a:rPr lang="en-US" altLang="en-US" dirty="0">
                 <a:latin typeface="Arial" pitchFamily="34" charset="0"/>
                 <a:ea typeface="ＭＳ Ｐゴシック" pitchFamily="34" charset="-128"/>
               </a:rPr>
@@ -5829,21 +5829,21 @@
           <a:p>
             <a:pPr defTabSz="457200"/>
             <a:r>
-              <a:rPr lang="en-US" altLang="en-US" dirty="0" smtClean="0">
+              <a:rPr lang="en-US" altLang="en-US" dirty="0">
                 <a:latin typeface="Arial" pitchFamily="34" charset="0"/>
                 <a:ea typeface="ＭＳ Ｐゴシック" pitchFamily="34" charset="-128"/>
               </a:rPr>
               <a:t>	ii) We should also ask whether </a:t>
             </a:r>
             <a:r>
-              <a:rPr lang="en-US" altLang="en-US" i="1" dirty="0" smtClean="0">
+              <a:rPr lang="en-US" altLang="en-US" i="1" dirty="0">
                 <a:latin typeface="Arial" pitchFamily="34" charset="0"/>
                 <a:ea typeface="ＭＳ Ｐゴシック" pitchFamily="34" charset="-128"/>
               </a:rPr>
               <a:t>g </a:t>
             </a:r>
             <a:r>
-              <a:rPr lang="en-US" altLang="en-US" dirty="0" smtClean="0">
+              <a:rPr lang="en-US" altLang="en-US" dirty="0">
                 <a:latin typeface="Arial" pitchFamily="34" charset="0"/>
                 <a:ea typeface="ＭＳ Ｐゴシック" pitchFamily="34" charset="-128"/>
               </a:rPr>
@@ -5853,18 +5853,11 @@
           <a:p>
             <a:pPr defTabSz="457200"/>
             <a:r>
-              <a:rPr lang="en-US" altLang="en-US" dirty="0" smtClean="0">
-                <a:latin typeface="Arial" pitchFamily="34" charset="0"/>
-                <a:ea typeface="ＭＳ Ｐゴシック" pitchFamily="34" charset="-128"/>
-              </a:rPr>
-              <a:t>1</a:t>
-            </a:r>
-            <a:r>
               <a:rPr lang="en-US" altLang="en-US" dirty="0">
                 <a:latin typeface="Arial" pitchFamily="34" charset="0"/>
                 <a:ea typeface="ＭＳ Ｐゴシック" pitchFamily="34" charset="-128"/>
               </a:rPr>
-              <a:t>) Spearman hypothesized a second kind of ability that was specific to each task (i.e., each item on a test). And in a flurry of creativity, he chose the inspired name “</a:t>
+              <a:t>1) Spearman hypothesized a second kind of ability that was specific to each task (i.e., each item on a test). And in a flurry of creativity, he chose the inspired name “</a:t>
             </a:r>
             <a:r>
               <a:rPr lang="en-US" altLang="ja-JP" i="1" dirty="0">
@@ -12350,7 +12343,7 @@
             <a:fld id="{A9DF6EFB-3F44-496C-A842-1E0B3D3B975A}" type="datetimeFigureOut">
               <a:rPr lang="en-US" smtClean="0"/>
               <a:pPr/>
-              <a:t>9/16/2021</a:t>
+              <a:t>6/22/23</a:t>
             </a:fld>
             <a:endParaRPr lang="en-US" dirty="0"/>
           </a:p>
@@ -12848,7 +12841,7 @@
             <a:fld id="{A9DF6EFB-3F44-496C-A842-1E0B3D3B975A}" type="datetimeFigureOut">
               <a:rPr lang="en-US" smtClean="0"/>
               <a:pPr/>
-              <a:t>9/16/2021</a:t>
+              <a:t>6/22/23</a:t>
             </a:fld>
             <a:endParaRPr lang="en-US" dirty="0"/>
           </a:p>
@@ -13109,7 +13102,7 @@
             <a:fld id="{A9DF6EFB-3F44-496C-A842-1E0B3D3B975A}" type="datetimeFigureOut">
               <a:rPr lang="en-US" smtClean="0"/>
               <a:pPr/>
-              <a:t>9/16/2021</a:t>
+              <a:t>6/22/23</a:t>
             </a:fld>
             <a:endParaRPr lang="en-US" dirty="0"/>
           </a:p>
@@ -13383,7 +13376,7 @@
             <a:fld id="{A9DF6EFB-3F44-496C-A842-1E0B3D3B975A}" type="datetimeFigureOut">
               <a:rPr lang="en-US" smtClean="0"/>
               <a:pPr/>
-              <a:t>9/16/2021</a:t>
+              <a:t>6/22/23</a:t>
             </a:fld>
             <a:endParaRPr lang="en-US" dirty="0"/>
           </a:p>
@@ -13512,7 +13505,7 @@
             <a:fld id="{A9DF6EFB-3F44-496C-A842-1E0B3D3B975A}" type="datetimeFigureOut">
               <a:rPr lang="en-US" smtClean="0"/>
               <a:pPr/>
-              <a:t>9/16/2021</a:t>
+              <a:t>6/22/23</a:t>
             </a:fld>
             <a:endParaRPr lang="en-US" dirty="0"/>
           </a:p>
@@ -13622,7 +13615,7 @@
             <a:fld id="{A9DF6EFB-3F44-496C-A842-1E0B3D3B975A}" type="datetimeFigureOut">
               <a:rPr lang="en-US" smtClean="0"/>
               <a:pPr/>
-              <a:t>9/16/2021</a:t>
+              <a:t>6/22/23</a:t>
             </a:fld>
             <a:endParaRPr lang="en-US" dirty="0"/>
           </a:p>
@@ -14267,7 +14260,7 @@
                 </a:solidFill>
               </a:rPr>
               <a:pPr/>
-              <a:t>9/16/2021</a:t>
+              <a:t>6/22/23</a:t>
             </a:fld>
             <a:endParaRPr lang="en-US" dirty="0">
               <a:solidFill>
@@ -14897,7 +14890,7 @@
           <a:p>
             <a:fld id="{A9DF6EFB-3F44-496C-A842-1E0B3D3B975A}" type="datetimeFigureOut">
               <a:rPr lang="en-US" smtClean="0"/>
-              <a:t>9/16/2021</a:t>
+              <a:t>6/22/23</a:t>
             </a:fld>
             <a:endParaRPr lang="en-US" dirty="0"/>
           </a:p>
@@ -15211,7 +15204,7 @@
           <a:p>
             <a:fld id="{A9DF6EFB-3F44-496C-A842-1E0B3D3B975A}" type="datetimeFigureOut">
               <a:rPr lang="en-US" smtClean="0"/>
-              <a:t>9/16/2021</a:t>
+              <a:t>6/22/23</a:t>
             </a:fld>
             <a:endParaRPr lang="en-US" dirty="0"/>
           </a:p>
@@ -15651,7 +15644,7 @@
           <a:p>
             <a:fld id="{A9DF6EFB-3F44-496C-A842-1E0B3D3B975A}" type="datetimeFigureOut">
               <a:rPr lang="en-US" smtClean="0"/>
-              <a:t>9/16/2021</a:t>
+              <a:t>6/22/23</a:t>
             </a:fld>
             <a:endParaRPr lang="en-US" dirty="0"/>
           </a:p>
@@ -16174,7 +16167,7 @@
             <a:fld id="{E0DBC1D4-5704-45BB-BA8B-9B7E98161C8B}" type="datetimeFigureOut">
               <a:rPr lang="en-US" smtClean="0"/>
               <a:pPr/>
-              <a:t>9/16/2021</a:t>
+              <a:t>6/22/23</a:t>
             </a:fld>
             <a:endParaRPr lang="en-US"/>
           </a:p>
@@ -16540,7 +16533,7 @@
             <a:fld id="{E0DBC1D4-5704-45BB-BA8B-9B7E98161C8B}" type="datetimeFigureOut">
               <a:rPr lang="en-US" smtClean="0"/>
               <a:pPr/>
-              <a:t>9/16/2021</a:t>
+              <a:t>6/22/23</a:t>
             </a:fld>
             <a:endParaRPr lang="en-US"/>
           </a:p>
@@ -17102,7 +17095,7 @@
             <a:fld id="{A9DF6EFB-3F44-496C-A842-1E0B3D3B975A}" type="datetimeFigureOut">
               <a:rPr lang="en-US" smtClean="0"/>
               <a:pPr/>
-              <a:t>9/16/2021</a:t>
+              <a:t>6/22/23</a:t>
             </a:fld>
             <a:endParaRPr lang="en-US" dirty="0"/>
           </a:p>
@@ -17678,7 +17671,7 @@
             <a:fld id="{A9DF6EFB-3F44-496C-A842-1E0B3D3B975A}" type="datetimeFigureOut">
               <a:rPr lang="en-US" smtClean="0"/>
               <a:pPr/>
-              <a:t>9/16/2021</a:t>
+              <a:t>6/22/23</a:t>
             </a:fld>
             <a:endParaRPr lang="en-US" dirty="0"/>
           </a:p>
@@ -17956,7 +17949,7 @@
             <a:fld id="{A9DF6EFB-3F44-496C-A842-1E0B3D3B975A}" type="datetimeFigureOut">
               <a:rPr lang="en-US" smtClean="0"/>
               <a:pPr/>
-              <a:t>9/16/2021</a:t>
+              <a:t>6/22/23</a:t>
             </a:fld>
             <a:endParaRPr lang="en-US" dirty="0"/>
           </a:p>
@@ -18315,7 +18308,7 @@
             <a:fld id="{A9DF6EFB-3F44-496C-A842-1E0B3D3B975A}" type="datetimeFigureOut">
               <a:rPr lang="en-US" smtClean="0"/>
               <a:pPr/>
-              <a:t>9/16/2021</a:t>
+              <a:t>6/22/23</a:t>
             </a:fld>
             <a:endParaRPr lang="en-US" dirty="0"/>
           </a:p>
@@ -18614,7 +18607,7 @@
             <a:fld id="{A9DF6EFB-3F44-496C-A842-1E0B3D3B975A}" type="datetimeFigureOut">
               <a:rPr lang="en-US" smtClean="0"/>
               <a:pPr/>
-              <a:t>9/16/2021</a:t>
+              <a:t>6/22/23</a:t>
             </a:fld>
             <a:endParaRPr lang="en-US" dirty="0"/>
           </a:p>
@@ -18851,7 +18844,7 @@
             <a:fld id="{A9DF6EFB-3F44-496C-A842-1E0B3D3B975A}" type="datetimeFigureOut">
               <a:rPr lang="en-US" smtClean="0"/>
               <a:pPr/>
-              <a:t>9/16/2021</a:t>
+              <a:t>6/22/23</a:t>
             </a:fld>
             <a:endParaRPr lang="en-US" dirty="0"/>
           </a:p>
@@ -19292,7 +19285,7 @@
             <a:fld id="{A9DF6EFB-3F44-496C-A842-1E0B3D3B975A}" type="datetimeFigureOut">
               <a:rPr lang="en-US" smtClean="0"/>
               <a:pPr/>
-              <a:t>9/16/2021</a:t>
+              <a:t>6/22/23</a:t>
             </a:fld>
             <a:endParaRPr lang="en-US" dirty="0"/>
           </a:p>
@@ -23020,50 +23013,26 @@
           </a:bodyPr>
           <a:lstStyle/>
           <a:p>
-            <a:r>
-              <a:rPr lang="en-IN" sz="3600" dirty="0" smtClean="0">
-                <a:latin typeface="+mj-lt"/>
-              </a:rPr>
-              <a:t/>
-            </a:r>
-            <a:br>
-              <a:rPr lang="en-IN" sz="3600" dirty="0" smtClean="0">
-                <a:latin typeface="+mj-lt"/>
-              </a:rPr>
-            </a:br>
-            <a:r>
-              <a:rPr lang="en-IN" sz="3600" dirty="0">
-                <a:latin typeface="+mj-lt"/>
-              </a:rPr>
-              <a:t/>
-            </a:r>
             <a:br>
               <a:rPr lang="en-IN" sz="3600" dirty="0">
                 <a:latin typeface="+mj-lt"/>
               </a:rPr>
             </a:br>
-            <a:r>
-              <a:rPr lang="en-IN" sz="3600" dirty="0" smtClean="0">
-                <a:latin typeface="+mj-lt"/>
-              </a:rPr>
-              <a:t/>
-            </a:r>
             <a:br>
-              <a:rPr lang="en-IN" sz="3600" dirty="0" smtClean="0">
-                <a:latin typeface="+mj-lt"/>
-              </a:rPr>
-            </a:br>
-            <a:r>
-              <a:rPr lang="en-IN" sz="3600" dirty="0" smtClean="0">
-                <a:latin typeface="+mj-lt"/>
-              </a:rPr>
-              <a:t>Intelligence </a:t>
-            </a:r>
-            <a:r>
               <a:rPr lang="en-IN" sz="3600" dirty="0">
                 <a:latin typeface="+mj-lt"/>
               </a:rPr>
-              <a:t>as Multiple, Specific Abilities</a:t>
+            </a:br>
+            <a:br>
+              <a:rPr lang="en-IN" sz="3600" dirty="0">
+                <a:latin typeface="+mj-lt"/>
+              </a:rPr>
+            </a:br>
+            <a:r>
+              <a:rPr lang="en-IN" sz="3600" dirty="0">
+                <a:latin typeface="+mj-lt"/>
+              </a:rPr>
+              <a:t>Intelligence as Multiple, Specific Abilities</a:t>
             </a:r>
             <a:endParaRPr lang="en-US" sz="2800" dirty="0">
               <a:latin typeface="+mj-lt"/>
@@ -23269,7 +23238,7 @@
           </a:lstStyle>
           <a:p>
             <a:r>
-              <a:rPr lang="en-IN" sz="3600" smtClean="0">
+              <a:rPr lang="en-IN" sz="3600">
                 <a:latin typeface="+mj-lt"/>
               </a:rPr>
               <a:t>Spearman’s General Intelligence</a:t>
@@ -24328,17 +24297,36 @@
           <a:p>
             <a:r>
               <a:rPr lang="en-CA" altLang="en-US" dirty="0"/>
-              <a:t>Wisdom – Gr. </a:t>
+              <a:t>Wisdom – </a:t>
             </a:r>
             <a:r>
               <a:rPr lang="en-CA" altLang="en-US" dirty="0">
+                <a:highlight>
+                  <a:srgbClr val="FFFF00"/>
+                </a:highlight>
+              </a:rPr>
+              <a:t>Gr. </a:t>
+            </a:r>
+            <a:r>
+              <a:rPr lang="en-CA" altLang="en-US" dirty="0">
+                <a:highlight>
+                  <a:srgbClr val="FFFF00"/>
+                </a:highlight>
                 <a:latin typeface="Symbol" panose="05050102010706020507" pitchFamily="18" charset="2"/>
               </a:rPr>
               <a:t>Sofia</a:t>
             </a:r>
             <a:r>
+              <a:rPr lang="en-CA" altLang="en-US" dirty="0">
+                <a:highlight>
+                  <a:srgbClr val="FFFF00"/>
+                </a:highlight>
+              </a:rPr>
+              <a:t> </a:t>
+            </a:r>
+            <a:r>
               <a:rPr lang="en-CA" altLang="en-US" dirty="0"/>
-              <a:t> (Sophia) (Noun) – wisdom in general, knowledge; ability; practical wisdom, prudence; learning, science; scientific skill; professed wisdom, human philosophy, superior knowledge and enlightenment; in N.T. divine wisdom, Christian enlightenment   </a:t>
+              <a:t>(Sophia) (Noun) – wisdom in general, knowledge; ability; practical wisdom, prudence; learning, science; scientific skill; professed wisdom, human philosophy, superior knowledge and enlightenment; in N.T. divine wisdom, Christian enlightenment   </a:t>
             </a:r>
           </a:p>
         </p:txBody>
@@ -24631,9 +24619,7 @@
           <p:cNvGraphicFramePr>
             <a:graphicFrameLocks noGrp="1"/>
           </p:cNvGraphicFramePr>
-          <p:nvPr>
-            <p:extLst/>
-          </p:nvPr>
+          <p:nvPr/>
         </p:nvGraphicFramePr>
         <p:xfrm>
           <a:off x="457200" y="1676400"/>
@@ -25205,9 +25191,7 @@
           <p:cNvGraphicFramePr>
             <a:graphicFrameLocks noGrp="1"/>
           </p:cNvGraphicFramePr>
-          <p:nvPr>
-            <p:extLst/>
-          </p:nvPr>
+          <p:nvPr/>
         </p:nvGraphicFramePr>
         <p:xfrm>
           <a:off x="457200" y="1679373"/>
@@ -27156,21 +27140,44 @@
           <a:p>
             <a:r>
               <a:rPr lang="en-CA" altLang="en-US" dirty="0"/>
-              <a:t>Wise – Gr. </a:t>
+              <a:t>Wise – </a:t>
+            </a:r>
+            <a:r>
+              <a:rPr lang="en-CA" altLang="en-US" dirty="0">
+                <a:highlight>
+                  <a:srgbClr val="FFFF00"/>
+                </a:highlight>
+              </a:rPr>
+              <a:t>Gr. </a:t>
             </a:r>
             <a:r>
               <a:rPr lang="en-CA" altLang="en-US" dirty="0" err="1">
+                <a:highlight>
+                  <a:srgbClr val="FFFF00"/>
+                </a:highlight>
                 <a:latin typeface="Symbol" panose="05050102010706020507" pitchFamily="18" charset="2"/>
               </a:rPr>
               <a:t>Sofo</a:t>
             </a:r>
             <a:r>
-              <a:rPr lang="en-CA" altLang="en-US" dirty="0" err="1"/>
+              <a:rPr lang="en-CA" altLang="en-US" dirty="0" err="1">
+                <a:highlight>
+                  <a:srgbClr val="FFFF00"/>
+                </a:highlight>
+              </a:rPr>
               <a:t>s</a:t>
             </a:r>
             <a:r>
+              <a:rPr lang="en-CA" altLang="en-US" dirty="0">
+                <a:highlight>
+                  <a:srgbClr val="FFFF00"/>
+                </a:highlight>
+              </a:rPr>
+              <a:t> </a:t>
+            </a:r>
+            <a:r>
               <a:rPr lang="en-CA" altLang="en-US" dirty="0"/>
-              <a:t> (Sophos) (Adjective) – wise generally; shrewd, clever; learned, intelligent; in N.T. divinely instructed; furnished with Christian wisdom, spiritually enlightened</a:t>
+              <a:t>(Sophos) (Adjective) – wise generally; shrewd, clever; learned, intelligent; in N.T. divinely instructed; furnished with Christian wisdom, spiritually enlightened</a:t>
             </a:r>
           </a:p>
         </p:txBody>
@@ -27902,34 +27909,88 @@
           <a:lstStyle/>
           <a:p>
             <a:r>
-              <a:rPr lang="en-CA" altLang="en-US"/>
-              <a:t>Intelligence – Gr. </a:t>
-            </a:r>
-            <a:r>
-              <a:rPr lang="en-CA" altLang="en-US">
+              <a:rPr lang="en-CA" altLang="en-US" dirty="0"/>
+              <a:t>Intelligence – </a:t>
+            </a:r>
+            <a:r>
+              <a:rPr lang="en-CA" altLang="en-US" dirty="0">
+                <a:highlight>
+                  <a:srgbClr val="FFFF00"/>
+                </a:highlight>
+              </a:rPr>
+              <a:t>Gr. </a:t>
+            </a:r>
+            <a:r>
+              <a:rPr lang="en-CA" altLang="en-US" dirty="0" err="1">
+                <a:highlight>
+                  <a:srgbClr val="FFFF00"/>
+                </a:highlight>
                 <a:latin typeface="Symbol" panose="05050102010706020507" pitchFamily="18" charset="2"/>
               </a:rPr>
               <a:t>Sunesi</a:t>
             </a:r>
             <a:r>
-              <a:rPr lang="en-CA" altLang="en-US"/>
-              <a:t>s (Synesis) (Noun) – pr. a sending together, a junction, as of streams; met. understanding, intelligence, discernment; the understanding, intellect, mind </a:t>
-            </a:r>
-          </a:p>
-          <a:p>
-            <a:r>
-              <a:rPr lang="en-CA" altLang="en-US"/>
+              <a:rPr lang="en-CA" altLang="en-US" dirty="0" err="1">
+                <a:highlight>
+                  <a:srgbClr val="FFFF00"/>
+                </a:highlight>
+              </a:rPr>
+              <a:t>s</a:t>
+            </a:r>
+            <a:r>
+              <a:rPr lang="en-CA" altLang="en-US" dirty="0">
+                <a:highlight>
+                  <a:srgbClr val="FFFF00"/>
+                </a:highlight>
+              </a:rPr>
+              <a:t> </a:t>
+            </a:r>
+            <a:r>
+              <a:rPr lang="en-CA" altLang="en-US" dirty="0"/>
+              <a:t>(Synesis) (Noun) – pr. a sending together, a junction, as of streams; met. understanding, intelligence, discernment; the understanding, intellect, mind </a:t>
+            </a:r>
+          </a:p>
+          <a:p>
+            <a:r>
+              <a:rPr lang="en-CA" altLang="en-US" dirty="0"/>
               <a:t>Intelligent – Gr. </a:t>
             </a:r>
             <a:r>
-              <a:rPr lang="en-CA" altLang="en-US">
+              <a:rPr lang="en-CA" altLang="en-US" dirty="0" err="1">
+                <a:highlight>
+                  <a:srgbClr val="FFFF00"/>
+                </a:highlight>
                 <a:latin typeface="Symbol" panose="05050102010706020507" pitchFamily="18" charset="2"/>
               </a:rPr>
               <a:t>Suneto</a:t>
             </a:r>
             <a:r>
-              <a:rPr lang="en-CA" altLang="en-US"/>
-              <a:t>s (Synetos) (Adj.) – intelligent, discerning, wise, prudent (cautious; worldly wise; exercising sound judgment)</a:t>
+              <a:rPr lang="en-CA" altLang="en-US" dirty="0" err="1">
+                <a:highlight>
+                  <a:srgbClr val="FFFF00"/>
+                </a:highlight>
+              </a:rPr>
+              <a:t>s</a:t>
+            </a:r>
+            <a:r>
+              <a:rPr lang="en-CA" altLang="en-US" dirty="0">
+                <a:highlight>
+                  <a:srgbClr val="FFFF00"/>
+                </a:highlight>
+              </a:rPr>
+              <a:t> </a:t>
+            </a:r>
+            <a:r>
+              <a:rPr lang="en-CA" altLang="en-US" dirty="0"/>
+              <a:t>(</a:t>
+            </a:r>
+            <a:r>
+              <a:rPr lang="en-CA" altLang="en-US" dirty="0" err="1"/>
+              <a:t>Synetos</a:t>
+            </a:r>
+            <a:r>
+              <a:rPr lang="en-CA" altLang="en-US" dirty="0"/>
+              <a:t>) (Adj.) – intelligent, discerning, wise, prudent (cautious; worldly wise; exercising sound judgment)</a:t>
             </a:r>
           </a:p>
           <a:p>
@@ -27938,7 +27999,7 @@
               <a:buNone/>
             </a:pPr>
             <a:r>
-              <a:rPr lang="en-CA" altLang="en-US"/>
+              <a:rPr lang="en-CA" altLang="en-US" dirty="0"/>
               <a:t> </a:t>
             </a:r>
           </a:p>

--- a/archive-05.psych106/08.U2/01.overview/_schedule/PSYC106-CH9IntelligenceTesting-3rdEd.pptx
+++ b/archive-05.psych106/08.U2/01.overview/_schedule/PSYC106-CH9IntelligenceTesting-3rdEd.pptx
@@ -267,7 +267,7 @@
             <a:fld id="{8D8D874E-E9D5-433B-A149-BDF6BFDD40A8}" type="datetimeFigureOut">
               <a:rPr lang="en-US" smtClean="0"/>
               <a:pPr/>
-              <a:t>6/22/23</a:t>
+              <a:t>6/23/23</a:t>
             </a:fld>
             <a:endParaRPr lang="en-US" dirty="0"/>
           </a:p>
@@ -434,7 +434,7 @@
             <a:fld id="{EA051F04-9E25-42C3-8BC5-EC2E8469D95E}" type="datetimeFigureOut">
               <a:rPr lang="en-US" smtClean="0"/>
               <a:pPr/>
-              <a:t>6/22/23</a:t>
+              <a:t>6/23/23</a:t>
             </a:fld>
             <a:endParaRPr lang="en-US" dirty="0"/>
           </a:p>
@@ -12343,7 +12343,7 @@
             <a:fld id="{A9DF6EFB-3F44-496C-A842-1E0B3D3B975A}" type="datetimeFigureOut">
               <a:rPr lang="en-US" smtClean="0"/>
               <a:pPr/>
-              <a:t>6/22/23</a:t>
+              <a:t>6/23/23</a:t>
             </a:fld>
             <a:endParaRPr lang="en-US" dirty="0"/>
           </a:p>
@@ -12841,7 +12841,7 @@
             <a:fld id="{A9DF6EFB-3F44-496C-A842-1E0B3D3B975A}" type="datetimeFigureOut">
               <a:rPr lang="en-US" smtClean="0"/>
               <a:pPr/>
-              <a:t>6/22/23</a:t>
+              <a:t>6/23/23</a:t>
             </a:fld>
             <a:endParaRPr lang="en-US" dirty="0"/>
           </a:p>
@@ -13102,7 +13102,7 @@
             <a:fld id="{A9DF6EFB-3F44-496C-A842-1E0B3D3B975A}" type="datetimeFigureOut">
               <a:rPr lang="en-US" smtClean="0"/>
               <a:pPr/>
-              <a:t>6/22/23</a:t>
+              <a:t>6/23/23</a:t>
             </a:fld>
             <a:endParaRPr lang="en-US" dirty="0"/>
           </a:p>
@@ -13376,7 +13376,7 @@
             <a:fld id="{A9DF6EFB-3F44-496C-A842-1E0B3D3B975A}" type="datetimeFigureOut">
               <a:rPr lang="en-US" smtClean="0"/>
               <a:pPr/>
-              <a:t>6/22/23</a:t>
+              <a:t>6/23/23</a:t>
             </a:fld>
             <a:endParaRPr lang="en-US" dirty="0"/>
           </a:p>
@@ -13505,7 +13505,7 @@
             <a:fld id="{A9DF6EFB-3F44-496C-A842-1E0B3D3B975A}" type="datetimeFigureOut">
               <a:rPr lang="en-US" smtClean="0"/>
               <a:pPr/>
-              <a:t>6/22/23</a:t>
+              <a:t>6/23/23</a:t>
             </a:fld>
             <a:endParaRPr lang="en-US" dirty="0"/>
           </a:p>
@@ -13615,7 +13615,7 @@
             <a:fld id="{A9DF6EFB-3F44-496C-A842-1E0B3D3B975A}" type="datetimeFigureOut">
               <a:rPr lang="en-US" smtClean="0"/>
               <a:pPr/>
-              <a:t>6/22/23</a:t>
+              <a:t>6/23/23</a:t>
             </a:fld>
             <a:endParaRPr lang="en-US" dirty="0"/>
           </a:p>
@@ -14260,7 +14260,7 @@
                 </a:solidFill>
               </a:rPr>
               <a:pPr/>
-              <a:t>6/22/23</a:t>
+              <a:t>6/23/23</a:t>
             </a:fld>
             <a:endParaRPr lang="en-US" dirty="0">
               <a:solidFill>
@@ -14890,7 +14890,7 @@
           <a:p>
             <a:fld id="{A9DF6EFB-3F44-496C-A842-1E0B3D3B975A}" type="datetimeFigureOut">
               <a:rPr lang="en-US" smtClean="0"/>
-              <a:t>6/22/23</a:t>
+              <a:t>6/23/23</a:t>
             </a:fld>
             <a:endParaRPr lang="en-US" dirty="0"/>
           </a:p>
@@ -15204,7 +15204,7 @@
           <a:p>
             <a:fld id="{A9DF6EFB-3F44-496C-A842-1E0B3D3B975A}" type="datetimeFigureOut">
               <a:rPr lang="en-US" smtClean="0"/>
-              <a:t>6/22/23</a:t>
+              <a:t>6/23/23</a:t>
             </a:fld>
             <a:endParaRPr lang="en-US" dirty="0"/>
           </a:p>
@@ -15644,7 +15644,7 @@
           <a:p>
             <a:fld id="{A9DF6EFB-3F44-496C-A842-1E0B3D3B975A}" type="datetimeFigureOut">
               <a:rPr lang="en-US" smtClean="0"/>
-              <a:t>6/22/23</a:t>
+              <a:t>6/23/23</a:t>
             </a:fld>
             <a:endParaRPr lang="en-US" dirty="0"/>
           </a:p>
@@ -16167,7 +16167,7 @@
             <a:fld id="{E0DBC1D4-5704-45BB-BA8B-9B7E98161C8B}" type="datetimeFigureOut">
               <a:rPr lang="en-US" smtClean="0"/>
               <a:pPr/>
-              <a:t>6/22/23</a:t>
+              <a:t>6/23/23</a:t>
             </a:fld>
             <a:endParaRPr lang="en-US"/>
           </a:p>
@@ -16533,7 +16533,7 @@
             <a:fld id="{E0DBC1D4-5704-45BB-BA8B-9B7E98161C8B}" type="datetimeFigureOut">
               <a:rPr lang="en-US" smtClean="0"/>
               <a:pPr/>
-              <a:t>6/22/23</a:t>
+              <a:t>6/23/23</a:t>
             </a:fld>
             <a:endParaRPr lang="en-US"/>
           </a:p>
@@ -17095,7 +17095,7 @@
             <a:fld id="{A9DF6EFB-3F44-496C-A842-1E0B3D3B975A}" type="datetimeFigureOut">
               <a:rPr lang="en-US" smtClean="0"/>
               <a:pPr/>
-              <a:t>6/22/23</a:t>
+              <a:t>6/23/23</a:t>
             </a:fld>
             <a:endParaRPr lang="en-US" dirty="0"/>
           </a:p>
@@ -17671,7 +17671,7 @@
             <a:fld id="{A9DF6EFB-3F44-496C-A842-1E0B3D3B975A}" type="datetimeFigureOut">
               <a:rPr lang="en-US" smtClean="0"/>
               <a:pPr/>
-              <a:t>6/22/23</a:t>
+              <a:t>6/23/23</a:t>
             </a:fld>
             <a:endParaRPr lang="en-US" dirty="0"/>
           </a:p>
@@ -17949,7 +17949,7 @@
             <a:fld id="{A9DF6EFB-3F44-496C-A842-1E0B3D3B975A}" type="datetimeFigureOut">
               <a:rPr lang="en-US" smtClean="0"/>
               <a:pPr/>
-              <a:t>6/22/23</a:t>
+              <a:t>6/23/23</a:t>
             </a:fld>
             <a:endParaRPr lang="en-US" dirty="0"/>
           </a:p>
@@ -18308,7 +18308,7 @@
             <a:fld id="{A9DF6EFB-3F44-496C-A842-1E0B3D3B975A}" type="datetimeFigureOut">
               <a:rPr lang="en-US" smtClean="0"/>
               <a:pPr/>
-              <a:t>6/22/23</a:t>
+              <a:t>6/23/23</a:t>
             </a:fld>
             <a:endParaRPr lang="en-US" dirty="0"/>
           </a:p>
@@ -18607,7 +18607,7 @@
             <a:fld id="{A9DF6EFB-3F44-496C-A842-1E0B3D3B975A}" type="datetimeFigureOut">
               <a:rPr lang="en-US" smtClean="0"/>
               <a:pPr/>
-              <a:t>6/22/23</a:t>
+              <a:t>6/23/23</a:t>
             </a:fld>
             <a:endParaRPr lang="en-US" dirty="0"/>
           </a:p>
@@ -18844,7 +18844,7 @@
             <a:fld id="{A9DF6EFB-3F44-496C-A842-1E0B3D3B975A}" type="datetimeFigureOut">
               <a:rPr lang="en-US" smtClean="0"/>
               <a:pPr/>
-              <a:t>6/22/23</a:t>
+              <a:t>6/23/23</a:t>
             </a:fld>
             <a:endParaRPr lang="en-US" dirty="0"/>
           </a:p>
@@ -19285,7 +19285,7 @@
             <a:fld id="{A9DF6EFB-3F44-496C-A842-1E0B3D3B975A}" type="datetimeFigureOut">
               <a:rPr lang="en-US" smtClean="0"/>
               <a:pPr/>
-              <a:t>6/22/23</a:t>
+              <a:t>6/23/23</a:t>
             </a:fld>
             <a:endParaRPr lang="en-US" dirty="0"/>
           </a:p>
@@ -20267,7 +20267,7 @@
         <p:spPr>
           <a:xfrm>
             <a:off x="468351" y="1371600"/>
-            <a:ext cx="8229600" cy="815608"/>
+            <a:ext cx="8229600" cy="4038600"/>
           </a:xfrm>
         </p:spPr>
         <p:txBody>
@@ -28488,7 +28488,7 @@
           <a:lstStyle/>
           <a:p>
             <a:r>
-              <a:rPr lang="en-CA" altLang="en-US"/>
+              <a:rPr lang="en-CA" altLang="en-US" dirty="0"/>
               <a:t>The Psychology of Wisdom</a:t>
             </a:r>
           </a:p>
@@ -28519,7 +28519,7 @@
               <a:buNone/>
             </a:pPr>
             <a:r>
-              <a:rPr lang="en-CA" altLang="en-US"/>
+              <a:rPr lang="en-CA" altLang="en-US" dirty="0"/>
               <a:t>Or, “Imagine a good friend of yours calls you up and tells you that she can’t go on anymore and has decided to commit suicide. What would one/you be thinking about? How would one deal with this situation?” </a:t>
             </a:r>
           </a:p>
@@ -28529,11 +28529,11 @@
               <a:buNone/>
             </a:pPr>
             <a:r>
-              <a:rPr lang="en-US" altLang="en-US"/>
+              <a:rPr lang="en-US" altLang="en-US" dirty="0"/>
               <a:t> </a:t>
             </a:r>
             <a:r>
-              <a:rPr lang="en-CA" altLang="en-US"/>
+              <a:rPr lang="en-CA" altLang="en-US" dirty="0"/>
               <a:t>Or, “A 60 year old widow has recently completed a college degree and opened a business, only to learn that her son has been left alone with two small children to care for. What should she do?”</a:t>
             </a:r>
           </a:p>
@@ -28542,7 +28542,7 @@
               <a:buFontTx/>
               <a:buNone/>
             </a:pPr>
-            <a:endParaRPr lang="en-CA" altLang="en-US"/>
+            <a:endParaRPr lang="en-CA" altLang="en-US" dirty="0"/>
           </a:p>
         </p:txBody>
       </p:sp>
